--- a/_book/plot/pro-survey-q13-hist-1.pptx
+++ b/_book/plot/pro-survey-q13-hist-1.pptx
@@ -3805,15 +3805,15 @@
           </p:nvSpPr>
           <p:spPr>
             <a:xfrm>
-              <a:off x="2441289" y="2285335"/>
-              <a:ext cx="0" cy="2718675"/>
+              <a:off x="2441289" y="2530549"/>
+              <a:ext cx="0" cy="2473461"/>
             </a:xfrm>
             <a:custGeom>
               <a:avLst/>
               <a:pathLst>
-                <a:path w="0" h="2718675">
+                <a:path w="0" h="2473461">
                   <a:moveTo>
-                    <a:pt x="0" y="2718675"/>
+                    <a:pt x="0" y="2473461"/>
                   </a:moveTo>
                   <a:lnTo>
                     <a:pt x="0" y="0"/>
@@ -3885,7 +3885,7 @@
           </p:nvSpPr>
           <p:spPr>
             <a:xfrm>
-              <a:off x="2349849" y="4550899"/>
+              <a:off x="2349849" y="4385646"/>
               <a:ext cx="91440" cy="0"/>
             </a:xfrm>
             <a:custGeom>
@@ -3925,7 +3925,7 @@
           </p:nvSpPr>
           <p:spPr>
             <a:xfrm>
-              <a:off x="2349849" y="4097786"/>
+              <a:off x="2349849" y="3767280"/>
               <a:ext cx="91440" cy="0"/>
             </a:xfrm>
             <a:custGeom>
@@ -3965,7 +3965,7 @@
           </p:nvSpPr>
           <p:spPr>
             <a:xfrm>
-              <a:off x="2349849" y="3644673"/>
+              <a:off x="2349849" y="3148915"/>
               <a:ext cx="91440" cy="0"/>
             </a:xfrm>
             <a:custGeom>
@@ -4005,7 +4005,7 @@
           </p:nvSpPr>
           <p:spPr>
             <a:xfrm>
-              <a:off x="2349849" y="3191561"/>
+              <a:off x="2349849" y="2530549"/>
               <a:ext cx="91440" cy="0"/>
             </a:xfrm>
             <a:custGeom>
@@ -4039,87 +4039,7 @@
         </p:sp>
         <p:sp>
           <p:nvSpPr>
-            <p:cNvPr id="25" name="pl25"/>
-            <p:cNvSpPr/>
-            <p:nvPr/>
-          </p:nvSpPr>
-          <p:spPr>
-            <a:xfrm>
-              <a:off x="2349849" y="2738448"/>
-              <a:ext cx="91440" cy="0"/>
-            </a:xfrm>
-            <a:custGeom>
-              <a:avLst/>
-              <a:pathLst>
-                <a:path w="91440" h="0">
-                  <a:moveTo>
-                    <a:pt x="91440" y="0"/>
-                  </a:moveTo>
-                  <a:lnTo>
-                    <a:pt x="0" y="0"/>
-                  </a:lnTo>
-                </a:path>
-              </a:pathLst>
-            </a:custGeom>
-            <a:ln w="9525" cap="rnd">
-              <a:solidFill>
-                <a:srgbClr val="000000">
-                  <a:alpha val="100000"/>
-                </a:srgbClr>
-              </a:solidFill>
-              <a:prstDash val="solid"/>
-              <a:round/>
-            </a:ln>
-          </p:spPr>
-          <p:txBody>
-            <a:bodyPr/>
-            <a:lstStyle/>
-            <a:p/>
-          </p:txBody>
-        </p:sp>
-        <p:sp>
-          <p:nvSpPr>
-            <p:cNvPr id="26" name="pl26"/>
-            <p:cNvSpPr/>
-            <p:nvPr/>
-          </p:nvSpPr>
-          <p:spPr>
-            <a:xfrm>
-              <a:off x="2349849" y="2285335"/>
-              <a:ext cx="91440" cy="0"/>
-            </a:xfrm>
-            <a:custGeom>
-              <a:avLst/>
-              <a:pathLst>
-                <a:path w="91440" h="0">
-                  <a:moveTo>
-                    <a:pt x="91440" y="0"/>
-                  </a:moveTo>
-                  <a:lnTo>
-                    <a:pt x="0" y="0"/>
-                  </a:lnTo>
-                </a:path>
-              </a:pathLst>
-            </a:custGeom>
-            <a:ln w="9525" cap="rnd">
-              <a:solidFill>
-                <a:srgbClr val="000000">
-                  <a:alpha val="100000"/>
-                </a:srgbClr>
-              </a:solidFill>
-              <a:prstDash val="solid"/>
-              <a:round/>
-            </a:ln>
-          </p:spPr>
-          <p:txBody>
-            <a:bodyPr/>
-            <a:lstStyle/>
-            <a:p/>
-          </p:txBody>
-        </p:sp>
-        <p:sp>
-          <p:nvSpPr>
-            <p:cNvPr id="27" name="tx27"/>
+            <p:cNvPr id="25" name="tx25"/>
             <p:cNvSpPr/>
             <p:nvPr/>
           </p:nvSpPr>
@@ -4165,59 +4085,13 @@
         </p:sp>
         <p:sp>
           <p:nvSpPr>
-            <p:cNvPr id="28" name="tx28"/>
+            <p:cNvPr id="26" name="tx26"/>
             <p:cNvSpPr/>
             <p:nvPr/>
           </p:nvSpPr>
           <p:spPr>
             <a:xfrm rot="-5400000">
-              <a:off x="2081376" y="4495200"/>
-              <a:ext cx="169515" cy="111397"/>
-            </a:xfrm>
-            <a:prstGeom prst="rect">
-              <a:avLst/>
-            </a:prstGeom>
-            <a:noFill/>
-          </p:spPr>
-          <p:txBody>
-            <a:bodyPr lIns="0" rIns="0" tIns="0" bIns="0" anchorCtr="1" anchor="ctr" wrap="none"/>
-            <a:lstStyle/>
-            <a:p>
-              <a:pPr algn="l" marL="0" marR="0" indent="0">
-                <a:lnSpc>
-                  <a:spcPts val="1200"/>
-                </a:lnSpc>
-                <a:spcBef>
-                  <a:spcPts val="0"/>
-                </a:spcBef>
-                <a:spcAft>
-                  <a:spcPts val="0"/>
-                </a:spcAft>
-              </a:pPr>
-              <a:r>
-                <a:rPr sz="1200">
-                  <a:solidFill>
-                    <a:srgbClr val="000000">
-                      <a:alpha val="100000"/>
-                    </a:srgbClr>
-                  </a:solidFill>
-                  <a:latin typeface="Arial"/>
-                  <a:cs typeface="Arial"/>
-                </a:rPr>
-                <a:t>10</a:t>
-              </a:r>
-            </a:p>
-          </p:txBody>
-        </p:sp>
-        <p:sp>
-          <p:nvSpPr>
-            <p:cNvPr id="29" name="tx29"/>
-            <p:cNvSpPr/>
-            <p:nvPr/>
-          </p:nvSpPr>
-          <p:spPr>
-            <a:xfrm rot="-5400000">
-              <a:off x="2081376" y="4042087"/>
+              <a:off x="2081376" y="4329947"/>
               <a:ext cx="169515" cy="111397"/>
             </a:xfrm>
             <a:prstGeom prst="rect">
@@ -4257,59 +4131,13 @@
         </p:sp>
         <p:sp>
           <p:nvSpPr>
-            <p:cNvPr id="30" name="tx30"/>
+            <p:cNvPr id="27" name="tx27"/>
             <p:cNvSpPr/>
             <p:nvPr/>
           </p:nvSpPr>
           <p:spPr>
             <a:xfrm rot="-5400000">
-              <a:off x="2081339" y="3588937"/>
-              <a:ext cx="169515" cy="111472"/>
-            </a:xfrm>
-            <a:prstGeom prst="rect">
-              <a:avLst/>
-            </a:prstGeom>
-            <a:noFill/>
-          </p:spPr>
-          <p:txBody>
-            <a:bodyPr lIns="0" rIns="0" tIns="0" bIns="0" anchorCtr="1" anchor="ctr" wrap="none"/>
-            <a:lstStyle/>
-            <a:p>
-              <a:pPr algn="l" marL="0" marR="0" indent="0">
-                <a:lnSpc>
-                  <a:spcPts val="1200"/>
-                </a:lnSpc>
-                <a:spcBef>
-                  <a:spcPts val="0"/>
-                </a:spcBef>
-                <a:spcAft>
-                  <a:spcPts val="0"/>
-                </a:spcAft>
-              </a:pPr>
-              <a:r>
-                <a:rPr sz="1200">
-                  <a:solidFill>
-                    <a:srgbClr val="000000">
-                      <a:alpha val="100000"/>
-                    </a:srgbClr>
-                  </a:solidFill>
-                  <a:latin typeface="Arial"/>
-                  <a:cs typeface="Arial"/>
-                </a:rPr>
-                <a:t>30</a:t>
-              </a:r>
-            </a:p>
-          </p:txBody>
-        </p:sp>
-        <p:sp>
-          <p:nvSpPr>
-            <p:cNvPr id="31" name="tx31"/>
-            <p:cNvSpPr/>
-            <p:nvPr/>
-          </p:nvSpPr>
-          <p:spPr>
-            <a:xfrm rot="-5400000">
-              <a:off x="2081376" y="3135862"/>
+              <a:off x="2081376" y="3711581"/>
               <a:ext cx="169515" cy="111397"/>
             </a:xfrm>
             <a:prstGeom prst="rect">
@@ -4349,59 +4177,13 @@
         </p:sp>
         <p:sp>
           <p:nvSpPr>
-            <p:cNvPr id="32" name="tx32"/>
+            <p:cNvPr id="28" name="tx28"/>
             <p:cNvSpPr/>
             <p:nvPr/>
           </p:nvSpPr>
           <p:spPr>
             <a:xfrm rot="-5400000">
-              <a:off x="2081376" y="2682749"/>
-              <a:ext cx="169515" cy="111397"/>
-            </a:xfrm>
-            <a:prstGeom prst="rect">
-              <a:avLst/>
-            </a:prstGeom>
-            <a:noFill/>
-          </p:spPr>
-          <p:txBody>
-            <a:bodyPr lIns="0" rIns="0" tIns="0" bIns="0" anchorCtr="1" anchor="ctr" wrap="none"/>
-            <a:lstStyle/>
-            <a:p>
-              <a:pPr algn="l" marL="0" marR="0" indent="0">
-                <a:lnSpc>
-                  <a:spcPts val="1200"/>
-                </a:lnSpc>
-                <a:spcBef>
-                  <a:spcPts val="0"/>
-                </a:spcBef>
-                <a:spcAft>
-                  <a:spcPts val="0"/>
-                </a:spcAft>
-              </a:pPr>
-              <a:r>
-                <a:rPr sz="1200">
-                  <a:solidFill>
-                    <a:srgbClr val="000000">
-                      <a:alpha val="100000"/>
-                    </a:srgbClr>
-                  </a:solidFill>
-                  <a:latin typeface="Arial"/>
-                  <a:cs typeface="Arial"/>
-                </a:rPr>
-                <a:t>50</a:t>
-              </a:r>
-            </a:p>
-          </p:txBody>
-        </p:sp>
-        <p:sp>
-          <p:nvSpPr>
-            <p:cNvPr id="33" name="tx33"/>
-            <p:cNvSpPr/>
-            <p:nvPr/>
-          </p:nvSpPr>
-          <p:spPr>
-            <a:xfrm rot="-5400000">
-              <a:off x="2081376" y="2229636"/>
+              <a:off x="2081376" y="3093216"/>
               <a:ext cx="169515" cy="111397"/>
             </a:xfrm>
             <a:prstGeom prst="rect">
@@ -4441,14 +4223,60 @@
         </p:sp>
         <p:sp>
           <p:nvSpPr>
-            <p:cNvPr id="34" name="rc34"/>
+            <p:cNvPr id="29" name="tx29"/>
+            <p:cNvSpPr/>
+            <p:nvPr/>
+          </p:nvSpPr>
+          <p:spPr>
+            <a:xfrm rot="-5400000">
+              <a:off x="2081376" y="2474850"/>
+              <a:ext cx="169515" cy="111397"/>
+            </a:xfrm>
+            <a:prstGeom prst="rect">
+              <a:avLst/>
+            </a:prstGeom>
+            <a:noFill/>
+          </p:spPr>
+          <p:txBody>
+            <a:bodyPr lIns="0" rIns="0" tIns="0" bIns="0" anchorCtr="1" anchor="ctr" wrap="none"/>
+            <a:lstStyle/>
+            <a:p>
+              <a:pPr algn="l" marL="0" marR="0" indent="0">
+                <a:lnSpc>
+                  <a:spcPts val="1200"/>
+                </a:lnSpc>
+                <a:spcBef>
+                  <a:spcPts val="0"/>
+                </a:spcBef>
+                <a:spcAft>
+                  <a:spcPts val="0"/>
+                </a:spcAft>
+              </a:pPr>
+              <a:r>
+                <a:rPr sz="1200">
+                  <a:solidFill>
+                    <a:srgbClr val="000000">
+                      <a:alpha val="100000"/>
+                    </a:srgbClr>
+                  </a:solidFill>
+                  <a:latin typeface="Arial"/>
+                  <a:cs typeface="Arial"/>
+                </a:rPr>
+                <a:t>80</a:t>
+              </a:r>
+            </a:p>
+          </p:txBody>
+        </p:sp>
+        <p:sp>
+          <p:nvSpPr>
+            <p:cNvPr id="30" name="rc30"/>
             <p:cNvSpPr/>
             <p:nvPr/>
           </p:nvSpPr>
           <p:spPr>
             <a:xfrm>
-              <a:off x="2670228" y="4686832"/>
-              <a:ext cx="572346" cy="317178"/>
+              <a:off x="2670228" y="4756665"/>
+              <a:ext cx="572346" cy="247346"/>
             </a:xfrm>
             <a:prstGeom prst="rect">
               <a:avLst/>
@@ -4476,14 +4304,14 @@
         </p:sp>
         <p:sp>
           <p:nvSpPr>
-            <p:cNvPr id="35" name="rc35"/>
+            <p:cNvPr id="31" name="rc31"/>
             <p:cNvSpPr/>
             <p:nvPr/>
           </p:nvSpPr>
           <p:spPr>
             <a:xfrm>
-              <a:off x="3242574" y="4958700"/>
-              <a:ext cx="572346" cy="45311"/>
+              <a:off x="3242574" y="4942175"/>
+              <a:ext cx="572346" cy="61836"/>
             </a:xfrm>
             <a:prstGeom prst="rect">
               <a:avLst/>
@@ -4511,14 +4339,14 @@
         </p:sp>
         <p:sp>
           <p:nvSpPr>
-            <p:cNvPr id="36" name="rc36"/>
+            <p:cNvPr id="32" name="rc32"/>
             <p:cNvSpPr/>
             <p:nvPr/>
           </p:nvSpPr>
           <p:spPr>
             <a:xfrm>
-              <a:off x="3814921" y="4958700"/>
-              <a:ext cx="572346" cy="45311"/>
+              <a:off x="3814921" y="4942175"/>
+              <a:ext cx="572346" cy="61836"/>
             </a:xfrm>
             <a:prstGeom prst="rect">
               <a:avLst/>
@@ -4546,7 +4374,7 @@
         </p:sp>
         <p:sp>
           <p:nvSpPr>
-            <p:cNvPr id="37" name="rc37"/>
+            <p:cNvPr id="33" name="rc33"/>
             <p:cNvSpPr/>
             <p:nvPr/>
           </p:nvSpPr>
@@ -4581,14 +4409,14 @@
         </p:sp>
         <p:sp>
           <p:nvSpPr>
-            <p:cNvPr id="38" name="rc38"/>
+            <p:cNvPr id="34" name="rc34"/>
             <p:cNvSpPr/>
             <p:nvPr/>
           </p:nvSpPr>
           <p:spPr>
             <a:xfrm>
-              <a:off x="4959614" y="3599362"/>
-              <a:ext cx="572346" cy="1404649"/>
+              <a:off x="4959614" y="3643607"/>
+              <a:ext cx="572346" cy="1360404"/>
             </a:xfrm>
             <a:prstGeom prst="rect">
               <a:avLst/>
@@ -4616,14 +4444,14 @@
         </p:sp>
         <p:sp>
           <p:nvSpPr>
-            <p:cNvPr id="39" name="rc39"/>
+            <p:cNvPr id="35" name="rc35"/>
             <p:cNvSpPr/>
             <p:nvPr/>
           </p:nvSpPr>
           <p:spPr>
             <a:xfrm>
-              <a:off x="5531961" y="4460276"/>
-              <a:ext cx="572346" cy="543735"/>
+              <a:off x="5531961" y="4385646"/>
+              <a:ext cx="572346" cy="618365"/>
             </a:xfrm>
             <a:prstGeom prst="rect">
               <a:avLst/>
@@ -4651,14 +4479,14 @@
         </p:sp>
         <p:sp>
           <p:nvSpPr>
-            <p:cNvPr id="40" name="rc40"/>
+            <p:cNvPr id="36" name="rc36"/>
             <p:cNvSpPr/>
             <p:nvPr/>
           </p:nvSpPr>
           <p:spPr>
             <a:xfrm>
-              <a:off x="6104308" y="4052475"/>
-              <a:ext cx="572346" cy="951536"/>
+              <a:off x="6104308" y="4107381"/>
+              <a:ext cx="572346" cy="896629"/>
             </a:xfrm>
             <a:prstGeom prst="rect">
               <a:avLst/>
@@ -4686,7 +4514,7 @@
         </p:sp>
         <p:sp>
           <p:nvSpPr>
-            <p:cNvPr id="41" name="rc41"/>
+            <p:cNvPr id="37" name="rc37"/>
             <p:cNvSpPr/>
             <p:nvPr/>
           </p:nvSpPr>
@@ -4721,14 +4549,14 @@
         </p:sp>
         <p:sp>
           <p:nvSpPr>
-            <p:cNvPr id="42" name="rc42"/>
+            <p:cNvPr id="38" name="rc38"/>
             <p:cNvSpPr/>
             <p:nvPr/>
           </p:nvSpPr>
           <p:spPr>
             <a:xfrm>
-              <a:off x="7249001" y="3554051"/>
-              <a:ext cx="572346" cy="1449960"/>
+              <a:off x="7249001" y="3674525"/>
+              <a:ext cx="572346" cy="1329485"/>
             </a:xfrm>
             <a:prstGeom prst="rect">
               <a:avLst/>
@@ -4756,14 +4584,14 @@
         </p:sp>
         <p:sp>
           <p:nvSpPr>
-            <p:cNvPr id="43" name="rc43"/>
+            <p:cNvPr id="39" name="rc39"/>
             <p:cNvSpPr/>
             <p:nvPr/>
           </p:nvSpPr>
           <p:spPr>
             <a:xfrm>
-              <a:off x="7821348" y="4550899"/>
-              <a:ext cx="572346" cy="453112"/>
+              <a:off x="7821348" y="4602074"/>
+              <a:ext cx="572346" cy="401937"/>
             </a:xfrm>
             <a:prstGeom prst="rect">
               <a:avLst/>
